--- a/stimuli/ins/instructions1.4.19.pptx
+++ b/stimuli/ins/instructions1.4.19.pptx
@@ -303,7 +303,7 @@
           <a:p>
             <a:fld id="{22BE98DE-5B02-5640-B1FB-9B77D9687ABA}" type="datetimeFigureOut">
               <a:rPr lang="en-US" smtClean="0"/>
-              <a:t>1/23/19</a:t>
+              <a:t>3/4/2019</a:t>
             </a:fld>
             <a:endParaRPr lang="en-US"/>
           </a:p>
@@ -473,7 +473,7 @@
           <a:p>
             <a:fld id="{22BE98DE-5B02-5640-B1FB-9B77D9687ABA}" type="datetimeFigureOut">
               <a:rPr lang="en-US" smtClean="0"/>
-              <a:t>1/23/19</a:t>
+              <a:t>3/4/2019</a:t>
             </a:fld>
             <a:endParaRPr lang="en-US"/>
           </a:p>
@@ -653,7 +653,7 @@
           <a:p>
             <a:fld id="{22BE98DE-5B02-5640-B1FB-9B77D9687ABA}" type="datetimeFigureOut">
               <a:rPr lang="en-US" smtClean="0"/>
-              <a:t>1/23/19</a:t>
+              <a:t>3/4/2019</a:t>
             </a:fld>
             <a:endParaRPr lang="en-US"/>
           </a:p>
@@ -823,7 +823,7 @@
           <a:p>
             <a:fld id="{22BE98DE-5B02-5640-B1FB-9B77D9687ABA}" type="datetimeFigureOut">
               <a:rPr lang="en-US" smtClean="0"/>
-              <a:t>1/23/19</a:t>
+              <a:t>3/4/2019</a:t>
             </a:fld>
             <a:endParaRPr lang="en-US"/>
           </a:p>
@@ -1069,7 +1069,7 @@
           <a:p>
             <a:fld id="{22BE98DE-5B02-5640-B1FB-9B77D9687ABA}" type="datetimeFigureOut">
               <a:rPr lang="en-US" smtClean="0"/>
-              <a:t>1/23/19</a:t>
+              <a:t>3/4/2019</a:t>
             </a:fld>
             <a:endParaRPr lang="en-US"/>
           </a:p>
@@ -1301,7 +1301,7 @@
           <a:p>
             <a:fld id="{22BE98DE-5B02-5640-B1FB-9B77D9687ABA}" type="datetimeFigureOut">
               <a:rPr lang="en-US" smtClean="0"/>
-              <a:t>1/23/19</a:t>
+              <a:t>3/4/2019</a:t>
             </a:fld>
             <a:endParaRPr lang="en-US"/>
           </a:p>
@@ -1668,7 +1668,7 @@
           <a:p>
             <a:fld id="{22BE98DE-5B02-5640-B1FB-9B77D9687ABA}" type="datetimeFigureOut">
               <a:rPr lang="en-US" smtClean="0"/>
-              <a:t>1/23/19</a:t>
+              <a:t>3/4/2019</a:t>
             </a:fld>
             <a:endParaRPr lang="en-US"/>
           </a:p>
@@ -1786,7 +1786,7 @@
           <a:p>
             <a:fld id="{22BE98DE-5B02-5640-B1FB-9B77D9687ABA}" type="datetimeFigureOut">
               <a:rPr lang="en-US" smtClean="0"/>
-              <a:t>1/23/19</a:t>
+              <a:t>3/4/2019</a:t>
             </a:fld>
             <a:endParaRPr lang="en-US"/>
           </a:p>
@@ -1881,7 +1881,7 @@
           <a:p>
             <a:fld id="{22BE98DE-5B02-5640-B1FB-9B77D9687ABA}" type="datetimeFigureOut">
               <a:rPr lang="en-US" smtClean="0"/>
-              <a:t>1/23/19</a:t>
+              <a:t>3/4/2019</a:t>
             </a:fld>
             <a:endParaRPr lang="en-US"/>
           </a:p>
@@ -2158,7 +2158,7 @@
           <a:p>
             <a:fld id="{22BE98DE-5B02-5640-B1FB-9B77D9687ABA}" type="datetimeFigureOut">
               <a:rPr lang="en-US" smtClean="0"/>
-              <a:t>1/23/19</a:t>
+              <a:t>3/4/2019</a:t>
             </a:fld>
             <a:endParaRPr lang="en-US"/>
           </a:p>
@@ -2415,7 +2415,7 @@
           <a:p>
             <a:fld id="{22BE98DE-5B02-5640-B1FB-9B77D9687ABA}" type="datetimeFigureOut">
               <a:rPr lang="en-US" smtClean="0"/>
-              <a:t>1/23/19</a:t>
+              <a:t>3/4/2019</a:t>
             </a:fld>
             <a:endParaRPr lang="en-US"/>
           </a:p>
@@ -2628,7 +2628,7 @@
             <a:fld id="{22BE98DE-5B02-5640-B1FB-9B77D9687ABA}" type="datetimeFigureOut">
               <a:rPr lang="en-US" smtClean="0"/>
               <a:pPr/>
-              <a:t>1/23/19</a:t>
+              <a:t>3/4/2019</a:t>
             </a:fld>
             <a:endParaRPr lang="en-US" dirty="0"/>
           </a:p>
@@ -3022,14 +3022,6 @@
 <file path=ppt/slides/slide1.xml><?xml version="1.0" encoding="utf-8"?>
 <p:sld xmlns:a="http://schemas.openxmlformats.org/drawingml/2006/main" xmlns:r="http://schemas.openxmlformats.org/officeDocument/2006/relationships" xmlns:p="http://schemas.openxmlformats.org/presentationml/2006/main">
   <p:cSld>
-    <p:bg>
-      <p:bgPr>
-        <a:solidFill>
-          <a:srgbClr val="AAAAAA"/>
-        </a:solidFill>
-        <a:effectLst/>
-      </p:bgPr>
-    </p:bg>
     <p:spTree>
       <p:nvGrpSpPr>
         <p:cNvPr id="1" name=""/>
@@ -3061,7 +3053,7 @@
         <p:spPr>
           <a:xfrm>
             <a:off x="598353" y="817779"/>
-            <a:ext cx="24041236" cy="12080441"/>
+            <a:ext cx="22755917" cy="12080441"/>
           </a:xfrm>
           <a:prstGeom prst="rect">
             <a:avLst/>
@@ -3337,7 +3329,7 @@
                 <a:ea typeface="+mj-ea"/>
                 <a:cs typeface="+mj-cs"/>
               </a:rPr>
-              <a:t>You are about to participate in a study that was designed to examine your ability to evaluate the average emotional response of groups. </a:t>
+              <a:t>You are about to participate in a study that was designed to examine emotional responses to pictures. </a:t>
             </a:r>
           </a:p>
           <a:p>
@@ -3354,7 +3346,7 @@
                 <a:ea typeface="+mj-ea"/>
                 <a:cs typeface="+mj-cs"/>
               </a:rPr>
-              <a:t>You will first go through a short instructions session, then complete a short practice round, and then go participate in the actual experiment. </a:t>
+              <a:t>You will first go through a short instructions session, and then go participate in the actual experiment. </a:t>
             </a:r>
           </a:p>
           <a:p>
@@ -3397,9 +3389,12 @@
             </a:r>
           </a:p>
           <a:p>
-            <a:endParaRPr lang="en-US" altLang="zh-CN" sz="6400" dirty="0">
-              <a:latin typeface="Arial" panose="020B0604020202020204" pitchFamily="34" charset="0"/>
-            </a:endParaRPr>
+            <a:r>
+              <a:rPr lang="en-US" altLang="zh-CN" sz="6400" dirty="0">
+                <a:latin typeface="Arial" panose="020B0604020202020204" pitchFamily="34" charset="0"/>
+              </a:rPr>
+              <a:t> </a:t>
+            </a:r>
           </a:p>
         </p:txBody>
       </p:sp>
@@ -3419,14 +3414,6 @@
 <file path=ppt/slides/slide2.xml><?xml version="1.0" encoding="utf-8"?>
 <p:sld xmlns:a="http://schemas.openxmlformats.org/drawingml/2006/main" xmlns:r="http://schemas.openxmlformats.org/officeDocument/2006/relationships" xmlns:p="http://schemas.openxmlformats.org/presentationml/2006/main">
   <p:cSld>
-    <p:bg>
-      <p:bgPr>
-        <a:solidFill>
-          <a:srgbClr val="AAAAAA"/>
-        </a:solidFill>
-        <a:effectLst/>
-      </p:bgPr>
-    </p:bg>
     <p:spTree>
       <p:nvGrpSpPr>
         <p:cNvPr id="1" name=""/>
@@ -3459,8 +3446,8 @@
         </p:nvSpPr>
         <p:spPr>
           <a:xfrm>
-            <a:off x="412954" y="12949084"/>
-            <a:ext cx="24465530" cy="766916"/>
+            <a:off x="2150076" y="2372497"/>
+            <a:ext cx="19696670" cy="7537621"/>
           </a:xfrm>
         </p:spPr>
         <p:txBody>
@@ -3476,33 +3463,17 @@
             </a:pPr>
             <a:r>
               <a:rPr lang="en-US" sz="5400" dirty="0"/>
-              <a:t>The goal of this study is to examine whether people can estimate the average emotional expression of multiple faces.</a:t>
+              <a:t>The goal of this study is to examine your emotional responses to pictures. </a:t>
             </a:r>
             <a:br>
               <a:rPr lang="en-US" sz="5400" dirty="0"/>
             </a:br>
-            <a:r>
-              <a:rPr lang="en-US" sz="5400" dirty="0"/>
-              <a:t> </a:t>
-            </a:r>
             <a:br>
               <a:rPr lang="en-US" sz="5400" dirty="0"/>
             </a:br>
             <a:r>
               <a:rPr lang="en-US" sz="5400" dirty="0"/>
-              <a:t>In each trial,</a:t>
-            </a:r>
-            <a:r>
-              <a:rPr lang="zh-CN" altLang="en-US" sz="5400" dirty="0"/>
-              <a:t> </a:t>
-            </a:r>
-            <a:r>
-              <a:rPr lang="en-US" altLang="zh-CN" sz="5400" dirty="0"/>
-              <a:t>16</a:t>
-            </a:r>
-            <a:r>
-              <a:rPr lang="en-US" sz="5400" dirty="0"/>
-              <a:t> faces expressing various degrees of emotions will appear on the screen. The faces may either be expressing positive or negative emotions. </a:t>
+              <a:t>You will see a picture on the screen and will be asked to answer a few questions.</a:t>
             </a:r>
             <a:br>
               <a:rPr lang="en-US" sz="5400" dirty="0"/>
@@ -3513,88 +3484,10 @@
             <a:br>
               <a:rPr lang="en-US" sz="5400" dirty="0"/>
             </a:br>
-            <a:br>
-              <a:rPr lang="en-US" sz="5400" dirty="0"/>
-            </a:br>
-            <a:br>
-              <a:rPr lang="en-US" sz="5400" dirty="0"/>
-            </a:br>
-            <a:br>
-              <a:rPr lang="en-US" sz="5400" dirty="0"/>
-            </a:br>
-            <a:br>
-              <a:rPr lang="en-US" sz="5400" dirty="0"/>
-            </a:br>
-            <a:br>
-              <a:rPr lang="en-US" sz="5400" dirty="0"/>
-            </a:br>
-            <a:br>
-              <a:rPr lang="en-US" sz="5400" dirty="0"/>
-            </a:br>
-            <a:br>
-              <a:rPr lang="en-US" sz="5400" dirty="0"/>
-            </a:br>
-            <a:br>
-              <a:rPr lang="en-US" sz="5400" dirty="0"/>
-            </a:br>
-            <a:br>
-              <a:rPr lang="en-US" sz="5400" dirty="0"/>
-            </a:br>
-            <a:br>
-              <a:rPr lang="en-US" sz="5400" dirty="0"/>
-            </a:br>
-            <a:br>
-              <a:rPr lang="en-US" sz="5400" dirty="0"/>
-            </a:br>
-            <a:r>
-              <a:rPr lang="en-US" sz="5400" dirty="0"/>
-              <a:t>The faces will on the screen for a brief moment. In order to take all the ratings in, try to expand your attention to all the faces on the screen at the </a:t>
-            </a:r>
-            <a:br>
-              <a:rPr lang="en-US" sz="5400" dirty="0"/>
-            </a:br>
-            <a:r>
-              <a:rPr lang="en-US" sz="5400" dirty="0"/>
-              <a:t>same time. </a:t>
-            </a:r>
-          </a:p>
-        </p:txBody>
-      </p:sp>
-      <p:pic>
-        <p:nvPicPr>
-          <p:cNvPr id="6" name="Picture 5">
-            <a:extLst>
-              <a:ext uri="{FF2B5EF4-FFF2-40B4-BE49-F238E27FC236}">
-                <a16:creationId xmlns:a16="http://schemas.microsoft.com/office/drawing/2014/main" id="{C749B214-AB29-6B49-BAD9-A3FD4295E0A2}"/>
-              </a:ext>
-            </a:extLst>
-          </p:cNvPr>
-          <p:cNvPicPr/>
-          <p:nvPr/>
-        </p:nvPicPr>
-        <p:blipFill rotWithShape="1">
-          <a:blip r:embed="rId2"/>
-          <a:srcRect t="7881" b="2090"/>
-          <a:stretch/>
-        </p:blipFill>
-        <p:spPr bwMode="auto">
-          <a:xfrm>
-            <a:off x="7767089" y="3877703"/>
-            <a:ext cx="8849822" cy="7732405"/>
-          </a:xfrm>
-          <a:prstGeom prst="rect">
-            <a:avLst/>
-          </a:prstGeom>
-          <a:ln>
-            <a:noFill/>
-          </a:ln>
-          <a:extLst>
-            <a:ext uri="{53640926-AAD7-44D8-BBD7-CCE9431645EC}">
-              <a14:shadowObscured xmlns:a14="http://schemas.microsoft.com/office/drawing/2010/main"/>
-            </a:ext>
-          </a:extLst>
-        </p:spPr>
-      </p:pic>
+            <a:endParaRPr lang="en-US" sz="5400" dirty="0"/>
+          </a:p>
+        </p:txBody>
+      </p:sp>
     </p:spTree>
     <p:extLst>
       <p:ext uri="{BB962C8B-B14F-4D97-AF65-F5344CB8AC3E}">
@@ -3611,14 +3504,6 @@
 <file path=ppt/slides/slide3.xml><?xml version="1.0" encoding="utf-8"?>
 <p:sld xmlns:a="http://schemas.openxmlformats.org/drawingml/2006/main" xmlns:r="http://schemas.openxmlformats.org/officeDocument/2006/relationships" xmlns:p="http://schemas.openxmlformats.org/presentationml/2006/main">
   <p:cSld>
-    <p:bg>
-      <p:bgPr>
-        <a:solidFill>
-          <a:srgbClr val="AAAAAA"/>
-        </a:solidFill>
-        <a:effectLst/>
-      </p:bgPr>
-    </p:bg>
     <p:spTree>
       <p:nvGrpSpPr>
         <p:cNvPr id="1" name=""/>
@@ -3651,8 +3536,8 @@
         </p:nvSpPr>
         <p:spPr>
           <a:xfrm>
-            <a:off x="341984" y="5074497"/>
-            <a:ext cx="24042016" cy="1783502"/>
+            <a:off x="860967" y="1009061"/>
+            <a:ext cx="22587524" cy="1783502"/>
           </a:xfrm>
         </p:spPr>
         <p:txBody>
@@ -3662,209 +3547,21 @@
           <a:lstStyle/>
           <a:p>
             <a:pPr algn="l"/>
-            <a:br>
-              <a:rPr lang="en-US" altLang="zh-CN" sz="5799" dirty="0">
-                <a:cs typeface="Arial" panose="020B0604020202020204" pitchFamily="34" charset="0"/>
-              </a:rPr>
-            </a:br>
-            <a:br>
-              <a:rPr lang="en-US" altLang="zh-CN" sz="5799" dirty="0">
-                <a:cs typeface="Arial" panose="020B0604020202020204" pitchFamily="34" charset="0"/>
-              </a:rPr>
-            </a:br>
             <a:r>
               <a:rPr lang="en-US" sz="5799" dirty="0">
                 <a:cs typeface="Arial" panose="020B0604020202020204" pitchFamily="34" charset="0"/>
               </a:rPr>
-              <a:t>​Following the 16 emotional faces,  a </a:t>
-            </a:r>
-            <a:r>
-              <a:rPr lang="en-US" altLang="zh-CN" sz="5799" dirty="0">
-                <a:cs typeface="Arial" panose="020B0604020202020204" pitchFamily="34" charset="0"/>
-              </a:rPr>
-              <a:t>scale</a:t>
-            </a:r>
-            <a:r>
-              <a:rPr lang="en-US" sz="5799" dirty="0">
-                <a:cs typeface="Arial" panose="020B0604020202020204" pitchFamily="34" charset="0"/>
-              </a:rPr>
-              <a:t> will appear in the middle of </a:t>
-            </a:r>
-            <a:br>
-              <a:rPr lang="en-US" sz="5799" dirty="0">
-                <a:cs typeface="Arial" panose="020B0604020202020204" pitchFamily="34" charset="0"/>
-              </a:rPr>
-            </a:br>
-            <a:r>
-              <a:rPr lang="en-US" sz="5799" dirty="0">
-                <a:cs typeface="Arial" panose="020B0604020202020204" pitchFamily="34" charset="0"/>
-              </a:rPr>
-              <a:t>the screen.  </a:t>
-            </a:r>
-            <a:br>
-              <a:rPr lang="en-US" sz="5799" dirty="0">
-                <a:cs typeface="Arial" panose="020B0604020202020204" pitchFamily="34" charset="0"/>
-              </a:rPr>
-            </a:br>
-            <a:br>
-              <a:rPr lang="en-US" sz="5799" dirty="0">
-                <a:cs typeface="Arial" panose="020B0604020202020204" pitchFamily="34" charset="0"/>
-              </a:rPr>
-            </a:br>
-            <a:r>
-              <a:rPr lang="en-US" sz="5799" dirty="0">
-                <a:cs typeface="Arial" panose="020B0604020202020204" pitchFamily="34" charset="0"/>
-              </a:rPr>
-              <a:t>By </a:t>
-            </a:r>
-            <a:r>
-              <a:rPr lang="en-US" altLang="zh-CN" sz="5799" dirty="0">
-                <a:cs typeface="Arial" panose="020B0604020202020204" pitchFamily="34" charset="0"/>
-              </a:rPr>
-              <a:t>moving the scale</a:t>
-            </a:r>
-            <a:r>
-              <a:rPr lang="en-US" sz="5799" dirty="0">
-                <a:cs typeface="Arial" panose="020B0604020202020204" pitchFamily="34" charset="0"/>
-              </a:rPr>
-              <a:t>, </a:t>
-            </a:r>
-            <a:r>
-              <a:rPr lang="en-US" sz="5799" b="1" dirty="0">
-                <a:cs typeface="Arial" panose="020B0604020202020204" pitchFamily="34" charset="0"/>
-              </a:rPr>
-              <a:t>you are asked to estimate the average emotional response of the faces you just saw. </a:t>
-            </a:r>
-            <a:br>
-              <a:rPr lang="en-US" sz="5799" b="1" dirty="0">
-                <a:cs typeface="Arial" panose="020B0604020202020204" pitchFamily="34" charset="0"/>
-              </a:rPr>
-            </a:br>
-            <a:br>
-              <a:rPr lang="en-US" sz="5799" b="1" dirty="0">
-                <a:cs typeface="Arial" panose="020B0604020202020204" pitchFamily="34" charset="0"/>
-              </a:rPr>
-            </a:br>
-            <a:r>
-              <a:rPr lang="en-US" sz="5799" dirty="0">
-                <a:cs typeface="Arial" panose="020B0604020202020204" pitchFamily="34" charset="0"/>
-              </a:rPr>
-              <a:t>You have to move the scale and click on it in order to move to the next page. Once you </a:t>
-            </a:r>
-            <a:r>
-              <a:rPr lang="en-US" altLang="zh-CN" sz="5799" dirty="0">
-                <a:cs typeface="Arial" panose="020B0604020202020204" pitchFamily="34" charset="0"/>
-              </a:rPr>
-              <a:t>click</a:t>
-            </a:r>
-            <a:r>
-              <a:rPr lang="zh-CN" altLang="en-US" sz="5799" dirty="0">
-                <a:cs typeface="Arial" panose="020B0604020202020204" pitchFamily="34" charset="0"/>
-              </a:rPr>
-              <a:t> </a:t>
-            </a:r>
-            <a:r>
-              <a:rPr lang="en-US" altLang="zh-CN" sz="5799" dirty="0">
-                <a:cs typeface="Arial" panose="020B0604020202020204" pitchFamily="34" charset="0"/>
-              </a:rPr>
-              <a:t>the</a:t>
-            </a:r>
-            <a:r>
-              <a:rPr lang="zh-CN" altLang="en-US" sz="5799" dirty="0">
-                <a:cs typeface="Arial" panose="020B0604020202020204" pitchFamily="34" charset="0"/>
-              </a:rPr>
-              <a:t> </a:t>
-            </a:r>
-            <a:r>
-              <a:rPr lang="en-US" altLang="zh-CN" sz="5799" dirty="0">
-                <a:cs typeface="Arial" panose="020B0604020202020204" pitchFamily="34" charset="0"/>
-              </a:rPr>
-              <a:t>scale,</a:t>
-            </a:r>
-            <a:r>
-              <a:rPr lang="zh-CN" altLang="en-US" sz="5799" dirty="0">
-                <a:cs typeface="Arial" panose="020B0604020202020204" pitchFamily="34" charset="0"/>
-              </a:rPr>
-              <a:t> </a:t>
-            </a:r>
-            <a:r>
-              <a:rPr lang="en-US" altLang="zh-CN" sz="5799" dirty="0">
-                <a:cs typeface="Arial" panose="020B0604020202020204" pitchFamily="34" charset="0"/>
-              </a:rPr>
-              <a:t>it</a:t>
-            </a:r>
-            <a:r>
-              <a:rPr lang="zh-CN" altLang="en-US" sz="5799" dirty="0">
-                <a:cs typeface="Arial" panose="020B0604020202020204" pitchFamily="34" charset="0"/>
-              </a:rPr>
-              <a:t> </a:t>
-            </a:r>
-            <a:r>
-              <a:rPr lang="en-US" altLang="zh-CN" sz="5799" dirty="0">
-                <a:cs typeface="Arial" panose="020B0604020202020204" pitchFamily="34" charset="0"/>
-              </a:rPr>
-              <a:t>will</a:t>
-            </a:r>
-            <a:r>
-              <a:rPr lang="zh-CN" altLang="en-US" sz="5799" dirty="0">
-                <a:cs typeface="Arial" panose="020B0604020202020204" pitchFamily="34" charset="0"/>
-              </a:rPr>
-              <a:t> </a:t>
-            </a:r>
-            <a:r>
-              <a:rPr lang="en-US" altLang="zh-CN" sz="5799" dirty="0">
-                <a:cs typeface="Arial" panose="020B0604020202020204" pitchFamily="34" charset="0"/>
-              </a:rPr>
-              <a:t>move to</a:t>
-            </a:r>
-            <a:r>
-              <a:rPr lang="zh-CN" altLang="en-US" sz="5799" dirty="0">
-                <a:cs typeface="Arial" panose="020B0604020202020204" pitchFamily="34" charset="0"/>
-              </a:rPr>
-              <a:t> </a:t>
-            </a:r>
-            <a:r>
-              <a:rPr lang="en-US" altLang="zh-CN" sz="5799" dirty="0">
-                <a:cs typeface="Arial" panose="020B0604020202020204" pitchFamily="34" charset="0"/>
-              </a:rPr>
-              <a:t>the</a:t>
-            </a:r>
-            <a:r>
-              <a:rPr lang="zh-CN" altLang="en-US" sz="5799" dirty="0">
-                <a:cs typeface="Arial" panose="020B0604020202020204" pitchFamily="34" charset="0"/>
-              </a:rPr>
-              <a:t> </a:t>
-            </a:r>
-            <a:r>
-              <a:rPr lang="en-US" altLang="zh-CN" sz="5799" dirty="0">
-                <a:cs typeface="Arial" panose="020B0604020202020204" pitchFamily="34" charset="0"/>
-              </a:rPr>
-              <a:t>next</a:t>
-            </a:r>
-            <a:r>
-              <a:rPr lang="zh-CN" altLang="en-US" sz="5799" dirty="0">
-                <a:cs typeface="Arial" panose="020B0604020202020204" pitchFamily="34" charset="0"/>
-              </a:rPr>
-              <a:t> </a:t>
-            </a:r>
-            <a:r>
-              <a:rPr lang="en-US" altLang="zh-CN" sz="5799" dirty="0">
-                <a:cs typeface="Arial" panose="020B0604020202020204" pitchFamily="34" charset="0"/>
-              </a:rPr>
-              <a:t>page.</a:t>
-            </a:r>
-            <a:endParaRPr lang="en-US" sz="5799" dirty="0">
-              <a:cs typeface="Arial" panose="020B0604020202020204" pitchFamily="34" charset="0"/>
-            </a:endParaRPr>
+              <a:t>First you will see a picture that will stay on the screen for 5 seconds </a:t>
+            </a:r>
           </a:p>
         </p:txBody>
       </p:sp>
       <p:pic>
         <p:nvPicPr>
-          <p:cNvPr id="5" name="Picture 4">
+          <p:cNvPr id="4" name="Picture 3">
             <a:extLst>
               <a:ext uri="{FF2B5EF4-FFF2-40B4-BE49-F238E27FC236}">
-                <a16:creationId xmlns:a16="http://schemas.microsoft.com/office/drawing/2014/main" id="{C927A0F9-6710-6A4F-BF01-6EF7FFB7F3EC}"/>
+                <a16:creationId xmlns:a16="http://schemas.microsoft.com/office/drawing/2014/main" id="{1417F107-D9B1-4D84-8BD8-968E3A51B999}"/>
               </a:ext>
             </a:extLst>
           </p:cNvPr>
@@ -3881,14 +3578,75 @@
         </p:blipFill>
         <p:spPr>
           <a:xfrm>
-            <a:off x="580523" y="6857999"/>
-            <a:ext cx="22867968" cy="6858001"/>
+            <a:off x="6877012" y="3581465"/>
+            <a:ext cx="10629976" cy="7967861"/>
           </a:xfrm>
           <a:prstGeom prst="rect">
             <a:avLst/>
           </a:prstGeom>
         </p:spPr>
       </p:pic>
+      <p:sp>
+        <p:nvSpPr>
+          <p:cNvPr id="6" name="Rectangle 5">
+            <a:extLst>
+              <a:ext uri="{FF2B5EF4-FFF2-40B4-BE49-F238E27FC236}">
+                <a16:creationId xmlns:a16="http://schemas.microsoft.com/office/drawing/2014/main" id="{13292D6D-911D-4B7A-B7DA-CE3976AC1386}"/>
+              </a:ext>
+            </a:extLst>
+          </p:cNvPr>
+          <p:cNvSpPr/>
+          <p:nvPr/>
+        </p:nvSpPr>
+        <p:spPr>
+          <a:xfrm>
+            <a:off x="8896865" y="7389341"/>
+            <a:ext cx="7142205" cy="1013254"/>
+          </a:xfrm>
+          <a:prstGeom prst="rect">
+            <a:avLst/>
+          </a:prstGeom>
+          <a:solidFill>
+            <a:schemeClr val="bg1"/>
+          </a:solidFill>
+          <a:ln>
+            <a:solidFill>
+              <a:schemeClr val="bg1"/>
+            </a:solidFill>
+          </a:ln>
+        </p:spPr>
+        <p:style>
+          <a:lnRef idx="2">
+            <a:schemeClr val="accent1">
+              <a:shade val="50000"/>
+            </a:schemeClr>
+          </a:lnRef>
+          <a:fillRef idx="1">
+            <a:schemeClr val="accent1"/>
+          </a:fillRef>
+          <a:effectRef idx="0">
+            <a:schemeClr val="accent1"/>
+          </a:effectRef>
+          <a:fontRef idx="minor">
+            <a:schemeClr val="lt1"/>
+          </a:fontRef>
+        </p:style>
+        <p:txBody>
+          <a:bodyPr rtlCol="0" anchor="ctr"/>
+          <a:lstStyle/>
+          <a:p>
+            <a:pPr algn="ctr"/>
+            <a:r>
+              <a:rPr lang="en-US" sz="4000" dirty="0">
+                <a:solidFill>
+                  <a:schemeClr val="tx1"/>
+                </a:solidFill>
+              </a:rPr>
+              <a:t>For instruction purposes</a:t>
+            </a:r>
+          </a:p>
+        </p:txBody>
+      </p:sp>
     </p:spTree>
     <p:extLst>
       <p:ext uri="{BB962C8B-B14F-4D97-AF65-F5344CB8AC3E}">
@@ -3905,14 +3663,6 @@
 <file path=ppt/slides/slide4.xml><?xml version="1.0" encoding="utf-8"?>
 <p:sld xmlns:a="http://schemas.openxmlformats.org/drawingml/2006/main" xmlns:r="http://schemas.openxmlformats.org/officeDocument/2006/relationships" xmlns:p="http://schemas.openxmlformats.org/presentationml/2006/main">
   <p:cSld>
-    <p:bg>
-      <p:bgPr>
-        <a:solidFill>
-          <a:srgbClr val="AAAAAA"/>
-        </a:solidFill>
-        <a:effectLst/>
-      </p:bgPr>
-    </p:bg>
     <p:spTree>
       <p:nvGrpSpPr>
         <p:cNvPr id="1" name=""/>
@@ -3943,8 +3693,8 @@
         </p:nvSpPr>
         <p:spPr>
           <a:xfrm>
-            <a:off x="309379" y="3896016"/>
-            <a:ext cx="25599867" cy="1783502"/>
+            <a:off x="2220930" y="1274923"/>
+            <a:ext cx="19942140" cy="1783502"/>
           </a:xfrm>
           <a:prstGeom prst="rect">
             <a:avLst/>
@@ -3986,27 +3736,7 @@
                 <a:latin typeface="Arial" panose="020B0604020202020204" pitchFamily="34" charset="0"/>
                 <a:cs typeface="Arial" panose="020B0604020202020204" pitchFamily="34" charset="0"/>
               </a:rPr>
-              <a:t>Remember, the goal here is to click one point on the scale that reflects </a:t>
-            </a:r>
-          </a:p>
-          <a:p>
-            <a:pPr algn="l"/>
-            <a:r>
-              <a:rPr lang="en-US" altLang="zh-CN" sz="5799" dirty="0">
-                <a:latin typeface="Arial" panose="020B0604020202020204" pitchFamily="34" charset="0"/>
-                <a:cs typeface="Arial" panose="020B0604020202020204" pitchFamily="34" charset="0"/>
-              </a:rPr>
-              <a:t>YOUR ESTIMATION OF THE AVERAGE EMOTIONAL RESPONSES </a:t>
-            </a:r>
-          </a:p>
-          <a:p>
-            <a:pPr algn="l"/>
-            <a:r>
-              <a:rPr lang="en-US" altLang="zh-CN" sz="5799" dirty="0">
-                <a:latin typeface="Arial" panose="020B0604020202020204" pitchFamily="34" charset="0"/>
-                <a:cs typeface="Arial" panose="020B0604020202020204" pitchFamily="34" charset="0"/>
-              </a:rPr>
-              <a:t>of the faces you just saw. </a:t>
+              <a:t>Following this stage you will be asked whether the picture elicits positive or negative emotions. </a:t>
             </a:r>
             <a:endParaRPr lang="en-US" sz="5799" dirty="0">
               <a:latin typeface="Arial" panose="020B0604020202020204" pitchFamily="34" charset="0"/>
@@ -4017,10 +3747,39 @@
       </p:sp>
       <p:pic>
         <p:nvPicPr>
-          <p:cNvPr id="4" name="Picture 3">
+          <p:cNvPr id="5" name="Picture 4">
             <a:extLst>
               <a:ext uri="{FF2B5EF4-FFF2-40B4-BE49-F238E27FC236}">
-                <a16:creationId xmlns:a16="http://schemas.microsoft.com/office/drawing/2014/main" id="{53C2161E-9EEC-D04D-9753-DA9905FF4E72}"/>
+                <a16:creationId xmlns:a16="http://schemas.microsoft.com/office/drawing/2014/main" id="{676C9F6C-A9B1-450F-A9F1-B1913E03DBD6}"/>
+              </a:ext>
+            </a:extLst>
+          </p:cNvPr>
+          <p:cNvPicPr>
+            <a:picLocks noChangeAspect="1"/>
+          </p:cNvPicPr>
+          <p:nvPr/>
+        </p:nvPicPr>
+        <p:blipFill rotWithShape="1">
+          <a:blip r:embed="rId2"/>
+          <a:srcRect l="27388" t="16202" r="26396" b="16967"/>
+          <a:stretch/>
+        </p:blipFill>
+        <p:spPr>
+          <a:xfrm>
+            <a:off x="5585253" y="3381161"/>
+            <a:ext cx="12455612" cy="10131503"/>
+          </a:xfrm>
+          <a:prstGeom prst="rect">
+            <a:avLst/>
+          </a:prstGeom>
+        </p:spPr>
+      </p:pic>
+      <p:pic>
+        <p:nvPicPr>
+          <p:cNvPr id="8" name="Picture 7">
+            <a:extLst>
+              <a:ext uri="{FF2B5EF4-FFF2-40B4-BE49-F238E27FC236}">
+                <a16:creationId xmlns:a16="http://schemas.microsoft.com/office/drawing/2014/main" id="{0022505D-2718-48C5-8B62-61A4AE8E7BFA}"/>
               </a:ext>
             </a:extLst>
           </p:cNvPr>
@@ -4030,21 +3789,82 @@
           <p:nvPr/>
         </p:nvPicPr>
         <p:blipFill>
-          <a:blip r:embed="rId2"/>
+          <a:blip r:embed="rId3"/>
           <a:stretch>
             <a:fillRect/>
           </a:stretch>
         </p:blipFill>
         <p:spPr>
           <a:xfrm>
-            <a:off x="580523" y="6857999"/>
-            <a:ext cx="22867968" cy="6858001"/>
+            <a:off x="6498071" y="3581465"/>
+            <a:ext cx="10629976" cy="7967861"/>
           </a:xfrm>
           <a:prstGeom prst="rect">
             <a:avLst/>
           </a:prstGeom>
         </p:spPr>
       </p:pic>
+      <p:sp>
+        <p:nvSpPr>
+          <p:cNvPr id="9" name="Rectangle 8">
+            <a:extLst>
+              <a:ext uri="{FF2B5EF4-FFF2-40B4-BE49-F238E27FC236}">
+                <a16:creationId xmlns:a16="http://schemas.microsoft.com/office/drawing/2014/main" id="{5D4C4EE8-2A0E-46D3-83B8-8E7F38EA511A}"/>
+              </a:ext>
+            </a:extLst>
+          </p:cNvPr>
+          <p:cNvSpPr/>
+          <p:nvPr/>
+        </p:nvSpPr>
+        <p:spPr>
+          <a:xfrm>
+            <a:off x="8353169" y="7339914"/>
+            <a:ext cx="7409934" cy="1013254"/>
+          </a:xfrm>
+          <a:prstGeom prst="rect">
+            <a:avLst/>
+          </a:prstGeom>
+          <a:solidFill>
+            <a:schemeClr val="bg1"/>
+          </a:solidFill>
+          <a:ln>
+            <a:solidFill>
+              <a:schemeClr val="bg1"/>
+            </a:solidFill>
+          </a:ln>
+        </p:spPr>
+        <p:style>
+          <a:lnRef idx="2">
+            <a:schemeClr val="accent1">
+              <a:shade val="50000"/>
+            </a:schemeClr>
+          </a:lnRef>
+          <a:fillRef idx="1">
+            <a:schemeClr val="accent1"/>
+          </a:fillRef>
+          <a:effectRef idx="0">
+            <a:schemeClr val="accent1"/>
+          </a:effectRef>
+          <a:fontRef idx="minor">
+            <a:schemeClr val="lt1"/>
+          </a:fontRef>
+        </p:style>
+        <p:txBody>
+          <a:bodyPr rtlCol="0" anchor="ctr"/>
+          <a:lstStyle/>
+          <a:p>
+            <a:pPr algn="ctr"/>
+            <a:r>
+              <a:rPr lang="en-US" sz="4000" dirty="0">
+                <a:solidFill>
+                  <a:schemeClr val="tx1"/>
+                </a:solidFill>
+              </a:rPr>
+              <a:t>For instruction purposes</a:t>
+            </a:r>
+          </a:p>
+        </p:txBody>
+      </p:sp>
     </p:spTree>
     <p:extLst>
       <p:ext uri="{BB962C8B-B14F-4D97-AF65-F5344CB8AC3E}">
@@ -4061,14 +3881,6 @@
 <file path=ppt/slides/slide5.xml><?xml version="1.0" encoding="utf-8"?>
 <p:sld xmlns:a="http://schemas.openxmlformats.org/drawingml/2006/main" xmlns:r="http://schemas.openxmlformats.org/officeDocument/2006/relationships" xmlns:p="http://schemas.openxmlformats.org/presentationml/2006/main">
   <p:cSld>
-    <p:bg>
-      <p:bgPr>
-        <a:solidFill>
-          <a:srgbClr val="AAAAAA"/>
-        </a:solidFill>
-        <a:effectLst/>
-      </p:bgPr>
-    </p:bg>
     <p:spTree>
       <p:nvGrpSpPr>
         <p:cNvPr id="1" name=""/>
@@ -4101,8 +3913,8 @@
         </p:nvSpPr>
         <p:spPr>
           <a:xfrm>
-            <a:off x="0" y="-276748"/>
-            <a:ext cx="23334350" cy="1484589"/>
+            <a:off x="1933495" y="1176591"/>
+            <a:ext cx="16453359" cy="1484589"/>
           </a:xfrm>
         </p:spPr>
         <p:txBody>
@@ -4112,174 +3924,14 @@
           <a:lstStyle/>
           <a:p>
             <a:pPr algn="l"/>
-            <a:br>
-              <a:rPr lang="en-US" altLang="zh-CN" sz="4000" dirty="0">
+            <a:r>
+              <a:rPr lang="en-US" altLang="zh-CN" sz="6000" dirty="0">
                 <a:latin typeface="Arial" panose="020B0604020202020204" pitchFamily="34" charset="0"/>
                 <a:cs typeface="Arial" panose="020B0604020202020204" pitchFamily="34" charset="0"/>
               </a:rPr>
-            </a:br>
-            <a:r>
-              <a:rPr lang="en-US" altLang="zh-CN" sz="6400" dirty="0">
-                <a:latin typeface="Arial" panose="020B0604020202020204" pitchFamily="34" charset="0"/>
-                <a:cs typeface="Arial" panose="020B0604020202020204" pitchFamily="34" charset="0"/>
-              </a:rPr>
-              <a:t>Once</a:t>
-            </a:r>
-            <a:r>
-              <a:rPr lang="zh-CN" altLang="en-US" sz="6400" dirty="0">
-                <a:latin typeface="Arial" panose="020B0604020202020204" pitchFamily="34" charset="0"/>
-                <a:cs typeface="Arial" panose="020B0604020202020204" pitchFamily="34" charset="0"/>
-              </a:rPr>
-              <a:t> </a:t>
-            </a:r>
-            <a:r>
-              <a:rPr lang="en-US" altLang="zh-CN" sz="6400" dirty="0">
-                <a:latin typeface="Arial" panose="020B0604020202020204" pitchFamily="34" charset="0"/>
-                <a:cs typeface="Arial" panose="020B0604020202020204" pitchFamily="34" charset="0"/>
-              </a:rPr>
-              <a:t>you</a:t>
-            </a:r>
-            <a:r>
-              <a:rPr lang="zh-CN" altLang="en-US" sz="6400" dirty="0">
-                <a:latin typeface="Arial" panose="020B0604020202020204" pitchFamily="34" charset="0"/>
-                <a:cs typeface="Arial" panose="020B0604020202020204" pitchFamily="34" charset="0"/>
-              </a:rPr>
-              <a:t> </a:t>
-            </a:r>
-            <a:r>
-              <a:rPr lang="en-US" altLang="zh-CN" sz="6400" dirty="0">
-                <a:latin typeface="Arial" panose="020B0604020202020204" pitchFamily="34" charset="0"/>
-                <a:cs typeface="Arial" panose="020B0604020202020204" pitchFamily="34" charset="0"/>
-              </a:rPr>
-              <a:t>make</a:t>
-            </a:r>
-            <a:r>
-              <a:rPr lang="zh-CN" altLang="en-US" sz="6400" dirty="0">
-                <a:latin typeface="Arial" panose="020B0604020202020204" pitchFamily="34" charset="0"/>
-                <a:cs typeface="Arial" panose="020B0604020202020204" pitchFamily="34" charset="0"/>
-              </a:rPr>
-              <a:t> </a:t>
-            </a:r>
-            <a:r>
-              <a:rPr lang="en-US" altLang="zh-CN" sz="6400" dirty="0">
-                <a:latin typeface="Arial" panose="020B0604020202020204" pitchFamily="34" charset="0"/>
-                <a:cs typeface="Arial" panose="020B0604020202020204" pitchFamily="34" charset="0"/>
-              </a:rPr>
-              <a:t>the</a:t>
-            </a:r>
-            <a:r>
-              <a:rPr lang="zh-CN" altLang="en-US" sz="6400" dirty="0">
-                <a:latin typeface="Arial" panose="020B0604020202020204" pitchFamily="34" charset="0"/>
-                <a:cs typeface="Arial" panose="020B0604020202020204" pitchFamily="34" charset="0"/>
-              </a:rPr>
-              <a:t> </a:t>
-            </a:r>
-            <a:r>
-              <a:rPr lang="en-US" altLang="zh-CN" sz="6400" dirty="0">
-                <a:latin typeface="Arial" panose="020B0604020202020204" pitchFamily="34" charset="0"/>
-                <a:cs typeface="Arial" panose="020B0604020202020204" pitchFamily="34" charset="0"/>
-              </a:rPr>
-              <a:t>choice,</a:t>
-            </a:r>
-            <a:r>
-              <a:rPr lang="zh-CN" altLang="en-US" sz="6400" dirty="0">
-                <a:latin typeface="Arial" panose="020B0604020202020204" pitchFamily="34" charset="0"/>
-                <a:cs typeface="Arial" panose="020B0604020202020204" pitchFamily="34" charset="0"/>
-              </a:rPr>
-              <a:t> </a:t>
-            </a:r>
-            <a:r>
-              <a:rPr lang="en-US" altLang="zh-CN" sz="6400" dirty="0">
-                <a:latin typeface="Arial" panose="020B0604020202020204" pitchFamily="34" charset="0"/>
-                <a:cs typeface="Arial" panose="020B0604020202020204" pitchFamily="34" charset="0"/>
-              </a:rPr>
-              <a:t>the</a:t>
-            </a:r>
-            <a:r>
-              <a:rPr lang="zh-CN" altLang="en-US" sz="6400" dirty="0">
-                <a:latin typeface="Arial" panose="020B0604020202020204" pitchFamily="34" charset="0"/>
-                <a:cs typeface="Arial" panose="020B0604020202020204" pitchFamily="34" charset="0"/>
-              </a:rPr>
-              <a:t> </a:t>
-            </a:r>
-            <a:r>
-              <a:rPr lang="en-US" altLang="zh-CN" sz="6400" dirty="0">
-                <a:latin typeface="Arial" panose="020B0604020202020204" pitchFamily="34" charset="0"/>
-                <a:cs typeface="Arial" panose="020B0604020202020204" pitchFamily="34" charset="0"/>
-              </a:rPr>
-              <a:t>page</a:t>
-            </a:r>
-            <a:r>
-              <a:rPr lang="zh-CN" altLang="en-US" sz="6400" dirty="0">
-                <a:latin typeface="Arial" panose="020B0604020202020204" pitchFamily="34" charset="0"/>
-                <a:cs typeface="Arial" panose="020B0604020202020204" pitchFamily="34" charset="0"/>
-              </a:rPr>
-              <a:t> </a:t>
-            </a:r>
-            <a:r>
-              <a:rPr lang="en-US" altLang="zh-CN" sz="6400" dirty="0">
-                <a:latin typeface="Arial" panose="020B0604020202020204" pitchFamily="34" charset="0"/>
-                <a:cs typeface="Arial" panose="020B0604020202020204" pitchFamily="34" charset="0"/>
-              </a:rPr>
-              <a:t>will</a:t>
-            </a:r>
-            <a:r>
-              <a:rPr lang="zh-CN" altLang="en-US" sz="6400" dirty="0">
-                <a:latin typeface="Arial" panose="020B0604020202020204" pitchFamily="34" charset="0"/>
-                <a:cs typeface="Arial" panose="020B0604020202020204" pitchFamily="34" charset="0"/>
-              </a:rPr>
-              <a:t> </a:t>
-            </a:r>
-            <a:r>
-              <a:rPr lang="en-US" altLang="zh-CN" sz="6400" dirty="0">
-                <a:latin typeface="Arial" panose="020B0604020202020204" pitchFamily="34" charset="0"/>
-                <a:cs typeface="Arial" panose="020B0604020202020204" pitchFamily="34" charset="0"/>
-              </a:rPr>
-              <a:t>switch</a:t>
-            </a:r>
-            <a:r>
-              <a:rPr lang="zh-CN" altLang="en-US" sz="6400" dirty="0">
-                <a:latin typeface="Arial" panose="020B0604020202020204" pitchFamily="34" charset="0"/>
-                <a:cs typeface="Arial" panose="020B0604020202020204" pitchFamily="34" charset="0"/>
-              </a:rPr>
-              <a:t> </a:t>
-            </a:r>
-            <a:r>
-              <a:rPr lang="en-US" altLang="zh-CN" sz="6400" dirty="0">
-                <a:latin typeface="Arial" panose="020B0604020202020204" pitchFamily="34" charset="0"/>
-                <a:cs typeface="Arial" panose="020B0604020202020204" pitchFamily="34" charset="0"/>
-              </a:rPr>
-              <a:t>to the</a:t>
-            </a:r>
-            <a:r>
-              <a:rPr lang="zh-CN" altLang="en-US" sz="6400" dirty="0">
-                <a:latin typeface="Arial" panose="020B0604020202020204" pitchFamily="34" charset="0"/>
-                <a:cs typeface="Arial" panose="020B0604020202020204" pitchFamily="34" charset="0"/>
-              </a:rPr>
-              <a:t> </a:t>
-            </a:r>
-            <a:r>
-              <a:rPr lang="en-US" altLang="zh-CN" sz="6400" dirty="0">
-                <a:latin typeface="Arial" panose="020B0604020202020204" pitchFamily="34" charset="0"/>
-                <a:cs typeface="Arial" panose="020B0604020202020204" pitchFamily="34" charset="0"/>
-              </a:rPr>
-              <a:t>next</a:t>
-            </a:r>
-            <a:r>
-              <a:rPr lang="zh-CN" altLang="en-US" sz="6400" dirty="0">
-                <a:latin typeface="Arial" panose="020B0604020202020204" pitchFamily="34" charset="0"/>
-                <a:cs typeface="Arial" panose="020B0604020202020204" pitchFamily="34" charset="0"/>
-              </a:rPr>
-              <a:t> </a:t>
-            </a:r>
-            <a:r>
-              <a:rPr lang="en-US" altLang="zh-CN" sz="6400" dirty="0">
-                <a:latin typeface="Arial" panose="020B0604020202020204" pitchFamily="34" charset="0"/>
-                <a:cs typeface="Arial" panose="020B0604020202020204" pitchFamily="34" charset="0"/>
-              </a:rPr>
-              <a:t>trial.</a:t>
-            </a:r>
-            <a:endParaRPr lang="en-US" sz="4000" dirty="0">
+              <a:t>You will then be asked to rate the intensity of your emotional response. </a:t>
+            </a:r>
+            <a:endParaRPr lang="en-US" sz="6000" dirty="0">
               <a:latin typeface="Arial" panose="020B0604020202020204" pitchFamily="34" charset="0"/>
               <a:cs typeface="Arial" panose="020B0604020202020204" pitchFamily="34" charset="0"/>
             </a:endParaRPr>
@@ -4615,32 +4267,124 @@
       </p:sp>
       <p:pic>
         <p:nvPicPr>
-          <p:cNvPr id="6" name="Picture 5">
+          <p:cNvPr id="3" name="Picture 2">
             <a:extLst>
               <a:ext uri="{FF2B5EF4-FFF2-40B4-BE49-F238E27FC236}">
-                <a16:creationId xmlns:a16="http://schemas.microsoft.com/office/drawing/2014/main" id="{05A0A211-6FCD-C846-9EF6-8801D08BEC24}"/>
+                <a16:creationId xmlns:a16="http://schemas.microsoft.com/office/drawing/2014/main" id="{B547016D-EA30-4181-BCD7-33D312932214}"/>
               </a:ext>
             </a:extLst>
           </p:cNvPr>
-          <p:cNvPicPr/>
+          <p:cNvPicPr>
+            <a:picLocks noChangeAspect="1"/>
+          </p:cNvPicPr>
+          <p:nvPr/>
+        </p:nvPicPr>
+        <p:blipFill rotWithShape="1">
+          <a:blip r:embed="rId4"/>
+          <a:srcRect l="26007" t="13123" r="26208" b="10609"/>
+          <a:stretch/>
+        </p:blipFill>
+        <p:spPr>
+          <a:xfrm>
+            <a:off x="5914644" y="2608677"/>
+            <a:ext cx="11092933" cy="9959029"/>
+          </a:xfrm>
+          <a:prstGeom prst="rect">
+            <a:avLst/>
+          </a:prstGeom>
+        </p:spPr>
+      </p:pic>
+      <p:pic>
+        <p:nvPicPr>
+          <p:cNvPr id="7" name="Picture 6">
+            <a:extLst>
+              <a:ext uri="{FF2B5EF4-FFF2-40B4-BE49-F238E27FC236}">
+                <a16:creationId xmlns:a16="http://schemas.microsoft.com/office/drawing/2014/main" id="{8332677B-AA04-4EB7-AB5B-EF017E6B2821}"/>
+              </a:ext>
+            </a:extLst>
+          </p:cNvPr>
+          <p:cNvPicPr>
+            <a:picLocks noChangeAspect="1"/>
+          </p:cNvPicPr>
           <p:nvPr/>
         </p:nvPicPr>
         <p:blipFill>
-          <a:blip r:embed="rId4"/>
+          <a:blip r:embed="rId5"/>
           <a:stretch>
             <a:fillRect/>
           </a:stretch>
         </p:blipFill>
         <p:spPr>
           <a:xfrm>
-            <a:off x="6096873" y="1769462"/>
-            <a:ext cx="11878305" cy="11489337"/>
+            <a:off x="7067240" y="3188043"/>
+            <a:ext cx="8936784" cy="6698703"/>
           </a:xfrm>
           <a:prstGeom prst="rect">
             <a:avLst/>
           </a:prstGeom>
         </p:spPr>
       </p:pic>
+      <p:sp>
+        <p:nvSpPr>
+          <p:cNvPr id="9" name="Rectangle 8">
+            <a:extLst>
+              <a:ext uri="{FF2B5EF4-FFF2-40B4-BE49-F238E27FC236}">
+                <a16:creationId xmlns:a16="http://schemas.microsoft.com/office/drawing/2014/main" id="{07915F28-8EDB-4314-BEE6-9FA330922084}"/>
+              </a:ext>
+            </a:extLst>
+          </p:cNvPr>
+          <p:cNvSpPr/>
+          <p:nvPr/>
+        </p:nvSpPr>
+        <p:spPr>
+          <a:xfrm>
+            <a:off x="8106034" y="6356447"/>
+            <a:ext cx="7409934" cy="1013254"/>
+          </a:xfrm>
+          <a:prstGeom prst="rect">
+            <a:avLst/>
+          </a:prstGeom>
+          <a:solidFill>
+            <a:schemeClr val="bg1"/>
+          </a:solidFill>
+          <a:ln>
+            <a:solidFill>
+              <a:schemeClr val="bg1"/>
+            </a:solidFill>
+          </a:ln>
+        </p:spPr>
+        <p:style>
+          <a:lnRef idx="2">
+            <a:schemeClr val="accent1">
+              <a:shade val="50000"/>
+            </a:schemeClr>
+          </a:lnRef>
+          <a:fillRef idx="1">
+            <a:schemeClr val="accent1"/>
+          </a:fillRef>
+          <a:effectRef idx="0">
+            <a:schemeClr val="accent1"/>
+          </a:effectRef>
+          <a:fontRef idx="minor">
+            <a:schemeClr val="lt1"/>
+          </a:fontRef>
+        </p:style>
+        <p:txBody>
+          <a:bodyPr rtlCol="0" anchor="ctr"/>
+          <a:lstStyle/>
+          <a:p>
+            <a:pPr algn="ctr"/>
+            <a:r>
+              <a:rPr lang="en-US" sz="4000" dirty="0">
+                <a:solidFill>
+                  <a:schemeClr val="tx1"/>
+                </a:solidFill>
+              </a:rPr>
+              <a:t>For instruction purposes</a:t>
+            </a:r>
+          </a:p>
+        </p:txBody>
+      </p:sp>
     </p:spTree>
     <p:extLst>
       <p:ext uri="{BB962C8B-B14F-4D97-AF65-F5344CB8AC3E}">
@@ -4657,14 +4401,6 @@
 <file path=ppt/slides/slide6.xml><?xml version="1.0" encoding="utf-8"?>
 <p:sld xmlns:a="http://schemas.openxmlformats.org/drawingml/2006/main" xmlns:r="http://schemas.openxmlformats.org/officeDocument/2006/relationships" xmlns:p="http://schemas.openxmlformats.org/presentationml/2006/main">
   <p:cSld>
-    <p:bg>
-      <p:bgPr>
-        <a:solidFill>
-          <a:srgbClr val="AAAAAA"/>
-        </a:solidFill>
-        <a:effectLst/>
-      </p:bgPr>
-    </p:bg>
     <p:spTree>
       <p:nvGrpSpPr>
         <p:cNvPr id="1" name=""/>
@@ -4693,8 +4429,8 @@
         </p:nvSpPr>
         <p:spPr>
           <a:xfrm>
-            <a:off x="749150" y="2090049"/>
-            <a:ext cx="22880871" cy="7478766"/>
+            <a:off x="1503129" y="854373"/>
+            <a:ext cx="22880871" cy="1938992"/>
           </a:xfrm>
           <a:prstGeom prst="rect">
             <a:avLst/>
@@ -4707,44 +4443,132 @@
           <a:lstStyle/>
           <a:p>
             <a:r>
-              <a:rPr lang="en-US" sz="8000" dirty="0">
+              <a:rPr lang="en-US" sz="6000" dirty="0">
                 <a:latin typeface="Arial" panose="020B0604020202020204" pitchFamily="34" charset="0"/>
                 <a:cs typeface="Arial" panose="020B0604020202020204" pitchFamily="34" charset="0"/>
               </a:rPr>
-              <a:t>At the next stage, you will conduct a short practice run to make sure that the task is clear. </a:t>
-            </a:r>
-          </a:p>
-          <a:p>
-            <a:endParaRPr lang="en-US" sz="8000" dirty="0">
-              <a:latin typeface="Arial" panose="020B0604020202020204" pitchFamily="34" charset="0"/>
-              <a:cs typeface="Arial" panose="020B0604020202020204" pitchFamily="34" charset="0"/>
-            </a:endParaRPr>
-          </a:p>
-          <a:p>
-            <a:r>
-              <a:rPr lang="en-US" sz="8000" dirty="0">
-                <a:latin typeface="Arial" panose="020B0604020202020204" pitchFamily="34" charset="0"/>
-                <a:cs typeface="Arial" panose="020B0604020202020204" pitchFamily="34" charset="0"/>
+              <a:t>Finally, you will be asked to indicate the specific emotion you experienced. </a:t>
+            </a:r>
+          </a:p>
+        </p:txBody>
+      </p:sp>
+      <p:pic>
+        <p:nvPicPr>
+          <p:cNvPr id="2" name="Picture 1">
+            <a:extLst>
+              <a:ext uri="{FF2B5EF4-FFF2-40B4-BE49-F238E27FC236}">
+                <a16:creationId xmlns:a16="http://schemas.microsoft.com/office/drawing/2014/main" id="{7E5FEB56-315C-43FC-818F-D4A29308E68A}"/>
+              </a:ext>
+            </a:extLst>
+          </p:cNvPr>
+          <p:cNvPicPr>
+            <a:picLocks noChangeAspect="1"/>
+          </p:cNvPicPr>
+          <p:nvPr/>
+        </p:nvPicPr>
+        <p:blipFill rotWithShape="1">
+          <a:blip r:embed="rId2"/>
+          <a:srcRect l="21576" t="15045" r="21532" b="20571"/>
+          <a:stretch/>
+        </p:blipFill>
+        <p:spPr>
+          <a:xfrm>
+            <a:off x="4522573" y="3322211"/>
+            <a:ext cx="14985428" cy="9539416"/>
+          </a:xfrm>
+          <a:prstGeom prst="rect">
+            <a:avLst/>
+          </a:prstGeom>
+        </p:spPr>
+      </p:pic>
+      <p:pic>
+        <p:nvPicPr>
+          <p:cNvPr id="5" name="Picture 4">
+            <a:extLst>
+              <a:ext uri="{FF2B5EF4-FFF2-40B4-BE49-F238E27FC236}">
+                <a16:creationId xmlns:a16="http://schemas.microsoft.com/office/drawing/2014/main" id="{E81C70A3-1006-488F-9C7C-A1C060D7CE6B}"/>
+              </a:ext>
+            </a:extLst>
+          </p:cNvPr>
+          <p:cNvPicPr>
+            <a:picLocks noChangeAspect="1"/>
+          </p:cNvPicPr>
+          <p:nvPr/>
+        </p:nvPicPr>
+        <p:blipFill>
+          <a:blip r:embed="rId3"/>
+          <a:stretch>
+            <a:fillRect/>
+          </a:stretch>
+        </p:blipFill>
+        <p:spPr>
+          <a:xfrm>
+            <a:off x="7067240" y="3695086"/>
+            <a:ext cx="9985084" cy="7484472"/>
+          </a:xfrm>
+          <a:prstGeom prst="rect">
+            <a:avLst/>
+          </a:prstGeom>
+        </p:spPr>
+      </p:pic>
+      <p:sp>
+        <p:nvSpPr>
+          <p:cNvPr id="6" name="Rectangle 5">
+            <a:extLst>
+              <a:ext uri="{FF2B5EF4-FFF2-40B4-BE49-F238E27FC236}">
+                <a16:creationId xmlns:a16="http://schemas.microsoft.com/office/drawing/2014/main" id="{F1848764-BECB-4DED-8151-C0B7F913586D}"/>
+              </a:ext>
+            </a:extLst>
+          </p:cNvPr>
+          <p:cNvSpPr/>
+          <p:nvPr/>
+        </p:nvSpPr>
+        <p:spPr>
+          <a:xfrm>
+            <a:off x="8354815" y="7103379"/>
+            <a:ext cx="7409934" cy="1013254"/>
+          </a:xfrm>
+          <a:prstGeom prst="rect">
+            <a:avLst/>
+          </a:prstGeom>
+          <a:solidFill>
+            <a:schemeClr val="bg1"/>
+          </a:solidFill>
+          <a:ln>
+            <a:solidFill>
+              <a:schemeClr val="bg1"/>
+            </a:solidFill>
+          </a:ln>
+        </p:spPr>
+        <p:style>
+          <a:lnRef idx="2">
+            <a:schemeClr val="accent1">
+              <a:shade val="50000"/>
+            </a:schemeClr>
+          </a:lnRef>
+          <a:fillRef idx="1">
+            <a:schemeClr val="accent1"/>
+          </a:fillRef>
+          <a:effectRef idx="0">
+            <a:schemeClr val="accent1"/>
+          </a:effectRef>
+          <a:fontRef idx="minor">
+            <a:schemeClr val="lt1"/>
+          </a:fontRef>
+        </p:style>
+        <p:txBody>
+          <a:bodyPr rtlCol="0" anchor="ctr"/>
+          <a:lstStyle/>
+          <a:p>
+            <a:pPr algn="ctr"/>
+            <a:r>
+              <a:rPr lang="en-US" sz="4000" dirty="0">
+                <a:solidFill>
+                  <a:schemeClr val="tx1"/>
+                </a:solidFill>
               </a:rPr>
-              <a:t>Remember – the goal is for your to </a:t>
-            </a:r>
-            <a:r>
-              <a:rPr lang="en-US" sz="8000" dirty="0">
-                <a:latin typeface="Arial" panose="020B0604020202020204" pitchFamily="34" charset="0"/>
-              </a:rPr>
-              <a:t>ESTIMATE THE AVERAGE EMOTIONAL RESPONSES of the faces you just saw.</a:t>
-            </a:r>
-            <a:r>
-              <a:rPr lang="en-US" altLang="zh-CN" sz="8000" b="1" dirty="0">
-                <a:latin typeface="Arial" panose="020B0604020202020204" pitchFamily="34" charset="0"/>
-                <a:cs typeface="Arial" panose="020B0604020202020204" pitchFamily="34" charset="0"/>
-              </a:rPr>
-              <a:t> </a:t>
-            </a:r>
-            <a:endParaRPr lang="en-US" sz="8000" dirty="0">
-              <a:latin typeface="Arial" panose="020B0604020202020204" pitchFamily="34" charset="0"/>
-              <a:cs typeface="Arial" panose="020B0604020202020204" pitchFamily="34" charset="0"/>
-            </a:endParaRPr>
+              <a:t>For instruction purposes</a:t>
+            </a:r>
           </a:p>
         </p:txBody>
       </p:sp>
@@ -4764,14 +4588,6 @@
 <file path=ppt/slides/slide7.xml><?xml version="1.0" encoding="utf-8"?>
 <p:sld xmlns:a="http://schemas.openxmlformats.org/drawingml/2006/main" xmlns:r="http://schemas.openxmlformats.org/officeDocument/2006/relationships" xmlns:p="http://schemas.openxmlformats.org/presentationml/2006/main">
   <p:cSld>
-    <p:bg>
-      <p:bgPr>
-        <a:solidFill>
-          <a:srgbClr val="AAAAAA"/>
-        </a:solidFill>
-        <a:effectLst/>
-      </p:bgPr>
-    </p:bg>
     <p:spTree>
       <p:nvGrpSpPr>
         <p:cNvPr id="1" name=""/>
@@ -4802,8 +4618,8 @@
         </p:nvSpPr>
         <p:spPr>
           <a:xfrm>
-            <a:off x="1110916" y="697830"/>
-            <a:ext cx="22835936" cy="10911515"/>
+            <a:off x="2396019" y="3194049"/>
+            <a:ext cx="22835936" cy="7235053"/>
           </a:xfrm>
           <a:prstGeom prst="rect">
             <a:avLst/>
@@ -5056,58 +4872,6 @@
             </a:lvl9pPr>
           </a:lstStyle>
           <a:p>
-            <a:r>
-              <a:rPr lang="en-US" sz="7200" dirty="0">
-                <a:latin typeface="Arial" panose="020B0604020202020204" pitchFamily="34" charset="0"/>
-                <a:cs typeface="Arial" panose="020B0604020202020204" pitchFamily="34" charset="0"/>
-              </a:rPr>
-              <a:t>Thank you for completing the practice stage. </a:t>
-            </a:r>
-          </a:p>
-          <a:p>
-            <a:r>
-              <a:rPr lang="en-US" sz="7200" dirty="0">
-                <a:latin typeface="Arial" panose="020B0604020202020204" pitchFamily="34" charset="0"/>
-                <a:cs typeface="Arial" panose="020B0604020202020204" pitchFamily="34" charset="0"/>
-              </a:rPr>
-              <a:t>Remember – the goal was to </a:t>
-            </a:r>
-            <a:r>
-              <a:rPr lang="en-US" sz="7200" dirty="0">
-                <a:latin typeface="Arial" panose="020B0604020202020204" pitchFamily="34" charset="0"/>
-              </a:rPr>
-              <a:t>ESTIMATE THE AVERAGE EMOTIONAL RESPONSES of the faces you just saw.</a:t>
-            </a:r>
-            <a:r>
-              <a:rPr lang="en-US" altLang="zh-CN" sz="7200" b="1" dirty="0">
-                <a:latin typeface="Arial" panose="020B0604020202020204" pitchFamily="34" charset="0"/>
-                <a:cs typeface="Arial" panose="020B0604020202020204" pitchFamily="34" charset="0"/>
-              </a:rPr>
-              <a:t> </a:t>
-            </a:r>
-            <a:endParaRPr lang="en-US" sz="7200" dirty="0">
-              <a:latin typeface="Arial" panose="020B0604020202020204" pitchFamily="34" charset="0"/>
-              <a:cs typeface="Arial" panose="020B0604020202020204" pitchFamily="34" charset="0"/>
-            </a:endParaRPr>
-          </a:p>
-          <a:p>
-            <a:endParaRPr lang="en-US" sz="7200" dirty="0">
-              <a:latin typeface="Arial" panose="020B0604020202020204" pitchFamily="34" charset="0"/>
-              <a:ea typeface="+mj-ea"/>
-              <a:cs typeface="+mj-cs"/>
-            </a:endParaRPr>
-          </a:p>
-          <a:p>
-            <a:r>
-              <a:rPr lang="en-US" sz="7200" dirty="0">
-                <a:latin typeface="Arial" panose="020B0604020202020204" pitchFamily="34" charset="0"/>
-                <a:ea typeface="+mj-ea"/>
-                <a:cs typeface="+mj-cs"/>
-              </a:rPr>
-              <a:t>In the following section you will complete the actual study, which consists of 50 trials. The task should take 5 minutes, more or less. </a:t>
-            </a:r>
-          </a:p>
-          <a:p>
             <a:endParaRPr lang="en-US" sz="7200" dirty="0">
               <a:latin typeface="Arial" panose="020B0604020202020204" pitchFamily="34" charset="0"/>
               <a:ea typeface="+mj-ea"/>
@@ -5160,23 +4924,7 @@
                 <a:ea typeface="+mj-ea"/>
                 <a:cs typeface="+mj-cs"/>
               </a:rPr>
-              <a:t>to</a:t>
-            </a:r>
-            <a:r>
-              <a:rPr lang="zh-CN" altLang="en-US" sz="7200" dirty="0">
-                <a:latin typeface="Arial" panose="020B0604020202020204" pitchFamily="34" charset="0"/>
-                <a:ea typeface="+mj-ea"/>
-                <a:cs typeface="+mj-cs"/>
-              </a:rPr>
-              <a:t> </a:t>
-            </a:r>
-            <a:r>
-              <a:rPr lang="en-US" altLang="zh-CN" sz="7200" dirty="0">
-                <a:latin typeface="Arial" panose="020B0604020202020204" pitchFamily="34" charset="0"/>
-                <a:ea typeface="+mj-ea"/>
-                <a:cs typeface="+mj-cs"/>
-              </a:rPr>
-              <a:t>begin the actual task. </a:t>
+              <a:t>when you are ready to start. </a:t>
             </a:r>
             <a:endParaRPr lang="en-US" sz="7200" dirty="0">
               <a:latin typeface="Arial" panose="020B0604020202020204" pitchFamily="34" charset="0"/>
@@ -5202,14 +4950,6 @@
 <file path=ppt/slides/slide8.xml><?xml version="1.0" encoding="utf-8"?>
 <p:sld xmlns:a="http://schemas.openxmlformats.org/drawingml/2006/main" xmlns:r="http://schemas.openxmlformats.org/officeDocument/2006/relationships" xmlns:p="http://schemas.openxmlformats.org/presentationml/2006/main">
   <p:cSld>
-    <p:bg>
-      <p:bgPr>
-        <a:solidFill>
-          <a:srgbClr val="AAAAAA"/>
-        </a:solidFill>
-        <a:effectLst/>
-      </p:bgPr>
-    </p:bg>
     <p:spTree>
       <p:nvGrpSpPr>
         <p:cNvPr id="1" name=""/>
